--- a/2주차/2주차.pptx
+++ b/2주차/2주차.pptx
@@ -209,7 +209,7 @@
           <a:p>
             <a:fld id="{245B0A91-CC39-48A9-90A5-AAA8C3853573}" type="datetimeFigureOut">
               <a:rPr lang="ko-KR" altLang="en-US" smtClean="0"/>
-              <a:t>2025-05-20</a:t>
+              <a:t>2025-05-27</a:t>
             </a:fld>
             <a:endParaRPr lang="ko-KR" altLang="en-US"/>
           </a:p>
@@ -775,7 +775,7 @@
           <a:p>
             <a:fld id="{FF7D42F0-1CA2-44F1-AA85-8DFBE7AE1F81}" type="datetimeFigureOut">
               <a:rPr lang="ko-KR" altLang="en-US" smtClean="0"/>
-              <a:t>2025-05-20</a:t>
+              <a:t>2025-05-27</a:t>
             </a:fld>
             <a:endParaRPr lang="ko-KR" altLang="en-US"/>
           </a:p>
@@ -973,7 +973,7 @@
           <a:p>
             <a:fld id="{FF7D42F0-1CA2-44F1-AA85-8DFBE7AE1F81}" type="datetimeFigureOut">
               <a:rPr lang="ko-KR" altLang="en-US" smtClean="0"/>
-              <a:t>2025-05-20</a:t>
+              <a:t>2025-05-27</a:t>
             </a:fld>
             <a:endParaRPr lang="ko-KR" altLang="en-US"/>
           </a:p>
@@ -1181,7 +1181,7 @@
           <a:p>
             <a:fld id="{FF7D42F0-1CA2-44F1-AA85-8DFBE7AE1F81}" type="datetimeFigureOut">
               <a:rPr lang="ko-KR" altLang="en-US" smtClean="0"/>
-              <a:t>2025-05-20</a:t>
+              <a:t>2025-05-27</a:t>
             </a:fld>
             <a:endParaRPr lang="ko-KR" altLang="en-US"/>
           </a:p>
@@ -1379,7 +1379,7 @@
           <a:p>
             <a:fld id="{FF7D42F0-1CA2-44F1-AA85-8DFBE7AE1F81}" type="datetimeFigureOut">
               <a:rPr lang="ko-KR" altLang="en-US" smtClean="0"/>
-              <a:t>2025-05-20</a:t>
+              <a:t>2025-05-27</a:t>
             </a:fld>
             <a:endParaRPr lang="ko-KR" altLang="en-US"/>
           </a:p>
@@ -1654,7 +1654,7 @@
           <a:p>
             <a:fld id="{FF7D42F0-1CA2-44F1-AA85-8DFBE7AE1F81}" type="datetimeFigureOut">
               <a:rPr lang="ko-KR" altLang="en-US" smtClean="0"/>
-              <a:t>2025-05-20</a:t>
+              <a:t>2025-05-27</a:t>
             </a:fld>
             <a:endParaRPr lang="ko-KR" altLang="en-US"/>
           </a:p>
@@ -1919,7 +1919,7 @@
           <a:p>
             <a:fld id="{FF7D42F0-1CA2-44F1-AA85-8DFBE7AE1F81}" type="datetimeFigureOut">
               <a:rPr lang="ko-KR" altLang="en-US" smtClean="0"/>
-              <a:t>2025-05-20</a:t>
+              <a:t>2025-05-27</a:t>
             </a:fld>
             <a:endParaRPr lang="ko-KR" altLang="en-US"/>
           </a:p>
@@ -2331,7 +2331,7 @@
           <a:p>
             <a:fld id="{FF7D42F0-1CA2-44F1-AA85-8DFBE7AE1F81}" type="datetimeFigureOut">
               <a:rPr lang="ko-KR" altLang="en-US" smtClean="0"/>
-              <a:t>2025-05-20</a:t>
+              <a:t>2025-05-27</a:t>
             </a:fld>
             <a:endParaRPr lang="ko-KR" altLang="en-US"/>
           </a:p>
@@ -2472,7 +2472,7 @@
           <a:p>
             <a:fld id="{FF7D42F0-1CA2-44F1-AA85-8DFBE7AE1F81}" type="datetimeFigureOut">
               <a:rPr lang="ko-KR" altLang="en-US" smtClean="0"/>
-              <a:t>2025-05-20</a:t>
+              <a:t>2025-05-27</a:t>
             </a:fld>
             <a:endParaRPr lang="ko-KR" altLang="en-US"/>
           </a:p>
@@ -2585,7 +2585,7 @@
           <a:p>
             <a:fld id="{FF7D42F0-1CA2-44F1-AA85-8DFBE7AE1F81}" type="datetimeFigureOut">
               <a:rPr lang="ko-KR" altLang="en-US" smtClean="0"/>
-              <a:t>2025-05-20</a:t>
+              <a:t>2025-05-27</a:t>
             </a:fld>
             <a:endParaRPr lang="ko-KR" altLang="en-US"/>
           </a:p>
@@ -2896,7 +2896,7 @@
           <a:p>
             <a:fld id="{FF7D42F0-1CA2-44F1-AA85-8DFBE7AE1F81}" type="datetimeFigureOut">
               <a:rPr lang="ko-KR" altLang="en-US" smtClean="0"/>
-              <a:t>2025-05-20</a:t>
+              <a:t>2025-05-27</a:t>
             </a:fld>
             <a:endParaRPr lang="ko-KR" altLang="en-US"/>
           </a:p>
@@ -3184,7 +3184,7 @@
           <a:p>
             <a:fld id="{FF7D42F0-1CA2-44F1-AA85-8DFBE7AE1F81}" type="datetimeFigureOut">
               <a:rPr lang="ko-KR" altLang="en-US" smtClean="0"/>
-              <a:t>2025-05-20</a:t>
+              <a:t>2025-05-27</a:t>
             </a:fld>
             <a:endParaRPr lang="ko-KR" altLang="en-US"/>
           </a:p>
@@ -3425,7 +3425,7 @@
           <a:p>
             <a:fld id="{FF7D42F0-1CA2-44F1-AA85-8DFBE7AE1F81}" type="datetimeFigureOut">
               <a:rPr lang="ko-KR" altLang="en-US" smtClean="0"/>
-              <a:t>2025-05-20</a:t>
+              <a:t>2025-05-27</a:t>
             </a:fld>
             <a:endParaRPr lang="ko-KR" altLang="en-US"/>
           </a:p>
